--- a/ArrowjsCMSStructure.pptx
+++ b/ArrowjsCMSStructure.pptx
@@ -5,16 +5,17 @@
     <p:sldMasterId id="2147483648" r:id="rId1"/>
   </p:sldMasterIdLst>
   <p:notesMasterIdLst>
-    <p:notesMasterId r:id="rId9"/>
+    <p:notesMasterId r:id="rId10"/>
   </p:notesMasterIdLst>
   <p:sldIdLst>
     <p:sldId id="306" r:id="rId2"/>
     <p:sldId id="317" r:id="rId3"/>
-    <p:sldId id="318" r:id="rId4"/>
-    <p:sldId id="319" r:id="rId5"/>
-    <p:sldId id="320" r:id="rId6"/>
-    <p:sldId id="321" r:id="rId7"/>
-    <p:sldId id="322" r:id="rId8"/>
+    <p:sldId id="323" r:id="rId4"/>
+    <p:sldId id="318" r:id="rId5"/>
+    <p:sldId id="319" r:id="rId6"/>
+    <p:sldId id="320" r:id="rId7"/>
+    <p:sldId id="321" r:id="rId8"/>
+    <p:sldId id="322" r:id="rId9"/>
   </p:sldIdLst>
   <p:sldSz cx="9144000" cy="5143500" type="screen16x9"/>
   <p:notesSz cx="6858000" cy="9144000"/>
@@ -199,7 +200,7 @@
           <a:p>
             <a:fld id="{C81D1D14-BC69-4E81-A241-7829F68D9A94}" type="datetimeFigureOut">
               <a:rPr lang="en-US" smtClean="0"/>
-              <a:t>11/11/15</a:t>
+              <a:t>11/12/15</a:t>
             </a:fld>
             <a:endParaRPr lang="en-US"/>
           </a:p>
@@ -693,7 +694,7 @@
           <a:p>
             <a:fld id="{E306D676-E6CE-49ED-B2E4-C47FD7365D30}" type="datetimeFigureOut">
               <a:rPr lang="en-US" smtClean="0"/>
-              <a:t>11/11/15</a:t>
+              <a:t>11/12/15</a:t>
             </a:fld>
             <a:endParaRPr lang="en-US"/>
           </a:p>
@@ -994,7 +995,7 @@
           <a:p>
             <a:fld id="{E306D676-E6CE-49ED-B2E4-C47FD7365D30}" type="datetimeFigureOut">
               <a:rPr lang="en-US" smtClean="0"/>
-              <a:t>11/11/15</a:t>
+              <a:t>11/12/15</a:t>
             </a:fld>
             <a:endParaRPr lang="en-US"/>
           </a:p>
@@ -1274,7 +1275,7 @@
           <a:p>
             <a:fld id="{E306D676-E6CE-49ED-B2E4-C47FD7365D30}" type="datetimeFigureOut">
               <a:rPr lang="en-US" smtClean="0"/>
-              <a:t>11/11/15</a:t>
+              <a:t>11/12/15</a:t>
             </a:fld>
             <a:endParaRPr lang="en-US"/>
           </a:p>
@@ -1468,7 +1469,7 @@
           <a:p>
             <a:fld id="{E306D676-E6CE-49ED-B2E4-C47FD7365D30}" type="datetimeFigureOut">
               <a:rPr lang="en-US" smtClean="0"/>
-              <a:t>11/11/15</a:t>
+              <a:t>11/12/15</a:t>
             </a:fld>
             <a:endParaRPr lang="en-US"/>
           </a:p>
@@ -1672,7 +1673,7 @@
           <a:p>
             <a:fld id="{E306D676-E6CE-49ED-B2E4-C47FD7365D30}" type="datetimeFigureOut">
               <a:rPr lang="en-US" smtClean="0"/>
-              <a:t>11/11/15</a:t>
+              <a:t>11/12/15</a:t>
             </a:fld>
             <a:endParaRPr lang="en-US"/>
           </a:p>
@@ -3453,7 +3454,7 @@
           <a:p>
             <a:fld id="{E306D676-E6CE-49ED-B2E4-C47FD7365D30}" type="datetimeFigureOut">
               <a:rPr lang="en-US" smtClean="0"/>
-              <a:t>11/11/15</a:t>
+              <a:t>11/12/15</a:t>
             </a:fld>
             <a:endParaRPr lang="en-US"/>
           </a:p>
@@ -3899,7 +3900,7 @@
           <a:p>
             <a:fld id="{E306D676-E6CE-49ED-B2E4-C47FD7365D30}" type="datetimeFigureOut">
               <a:rPr lang="en-US" smtClean="0"/>
-              <a:t>11/11/15</a:t>
+              <a:t>11/12/15</a:t>
             </a:fld>
             <a:endParaRPr lang="en-US"/>
           </a:p>
@@ -4618,7 +4619,7 @@
             <a:fld id="{E306D676-E6CE-49ED-B2E4-C47FD7365D30}" type="datetimeFigureOut">
               <a:rPr lang="en-US" smtClean="0"/>
               <a:pPr/>
-              <a:t>11/11/15</a:t>
+              <a:t>11/12/15</a:t>
             </a:fld>
             <a:endParaRPr lang="en-US"/>
           </a:p>
@@ -5565,7 +5566,7 @@
           <a:p>
             <a:r>
               <a:rPr lang="en-US" dirty="0" smtClean="0"/>
-              <a:t>Structure project define in </a:t>
+              <a:t>Project structure defines in </a:t>
             </a:r>
             <a:r>
               <a:rPr lang="en-US" dirty="0" err="1" smtClean="0"/>
@@ -5583,36 +5584,10 @@
           </a:p>
           <a:p>
             <a:r>
-              <a:rPr lang="en-US" dirty="0" smtClean="0"/>
-              <a:t>2 level objects</a:t>
-            </a:r>
-          </a:p>
-          <a:p>
-            <a:r>
-              <a:rPr lang="en-US" dirty="0" smtClean="0"/>
-              <a:t>Level 1 : </a:t>
-            </a:r>
-          </a:p>
-          <a:p>
-            <a:pPr lvl="1"/>
-            <a:r>
-              <a:rPr lang="en-US" dirty="0" smtClean="0"/>
-              <a:t>Object in project need to manager</a:t>
-            </a:r>
-            <a:endParaRPr lang="en-US" dirty="0"/>
-          </a:p>
-          <a:p>
-            <a:r>
-              <a:rPr lang="en-US" dirty="0" smtClean="0"/>
-              <a:t>Level 2 :</a:t>
-            </a:r>
-          </a:p>
-          <a:p>
-            <a:pPr lvl="1"/>
-            <a:r>
-              <a:rPr lang="en-US" dirty="0" smtClean="0"/>
-              <a:t>Attribute of an object</a:t>
-            </a:r>
+              <a:rPr lang="en-US" dirty="0"/>
+              <a:t>Location of features</a:t>
+            </a:r>
+            <a:endParaRPr lang="en-US" dirty="0" smtClean="0"/>
           </a:p>
         </p:txBody>
       </p:sp>
@@ -5655,78 +5630,778 @@
       </p:grpSpPr>
       <p:sp>
         <p:nvSpPr>
-          <p:cNvPr id="2" name="Title 1"/>
-          <p:cNvSpPr>
-            <a:spLocks noGrp="1"/>
-          </p:cNvSpPr>
-          <p:nvPr>
-            <p:ph type="title"/>
-          </p:nvPr>
-        </p:nvSpPr>
-        <p:spPr/>
-        <p:txBody>
-          <a:bodyPr>
-            <a:normAutofit fontScale="90000"/>
+          <p:cNvPr id="3" name="TextBox 2"/>
+          <p:cNvSpPr txBox="1"/>
+          <p:nvPr/>
+        </p:nvSpPr>
+        <p:spPr>
+          <a:xfrm>
+            <a:off x="76200" y="209550"/>
+            <a:ext cx="5334000" cy="5093703"/>
+          </a:xfrm>
+          <a:prstGeom prst="rect">
+            <a:avLst/>
+          </a:prstGeom>
+          <a:noFill/>
+        </p:spPr>
+        <p:txBody>
+          <a:bodyPr wrap="square" rtlCol="0">
+            <a:spAutoFit/>
           </a:bodyPr>
           <a:lstStyle/>
           <a:p>
             <a:r>
-              <a:rPr lang="en-US" dirty="0" smtClean="0"/>
-              <a:t>Level 1</a:t>
-            </a:r>
-            <a:endParaRPr lang="en-US" dirty="0"/>
-          </a:p>
-        </p:txBody>
-      </p:sp>
-      <p:sp>
-        <p:nvSpPr>
-          <p:cNvPr id="3" name="Content Placeholder 2"/>
-          <p:cNvSpPr>
-            <a:spLocks noGrp="1"/>
-          </p:cNvSpPr>
-          <p:nvPr>
-            <p:ph idx="1"/>
-          </p:nvPr>
-        </p:nvSpPr>
-        <p:spPr/>
-        <p:txBody>
-          <a:bodyPr/>
-          <a:lstStyle/>
-          <a:p>
-            <a:r>
-              <a:rPr lang="en-US" dirty="0" smtClean="0"/>
-              <a:t>Object represent an Object manager</a:t>
-            </a:r>
-          </a:p>
-          <a:p>
-            <a:r>
-              <a:rPr lang="en-US" dirty="0" smtClean="0"/>
-              <a:t>Object manager manage all component of Object </a:t>
-            </a:r>
-          </a:p>
-          <a:p>
-            <a:pPr marL="0" indent="0">
-              <a:buNone/>
-            </a:pPr>
-            <a:r>
-              <a:rPr lang="en-US" dirty="0" smtClean="0"/>
-              <a:t>Ex : modules object  have many module : user, blog, role v.v. In system it have a </a:t>
-            </a:r>
-            <a:r>
-              <a:rPr lang="en-US" dirty="0" err="1" smtClean="0"/>
-              <a:t>modulesManager</a:t>
-            </a:r>
-            <a:r>
-              <a:rPr lang="en-US" dirty="0" smtClean="0"/>
-              <a:t> manage all module</a:t>
-            </a:r>
+              <a:rPr lang="en-US" sz="1300" i="1">
+                <a:solidFill>
+                  <a:schemeClr val="bg1"/>
+                </a:solidFill>
+                <a:latin typeface="Menlo"/>
+              </a:rPr>
+              <a:t>module</a:t>
+            </a:r>
+            <a:r>
+              <a:rPr lang="en-US" sz="1300">
+                <a:solidFill>
+                  <a:schemeClr val="bg1"/>
+                </a:solidFill>
+                <a:latin typeface="Menlo"/>
+              </a:rPr>
+              <a:t>.</a:t>
+            </a:r>
+            <a:r>
+              <a:rPr lang="en-US" sz="1300">
+                <a:solidFill>
+                  <a:srgbClr val="979748"/>
+                </a:solidFill>
+                <a:latin typeface="Menlo"/>
+              </a:rPr>
+              <a:t>exports </a:t>
+            </a:r>
+            <a:r>
+              <a:rPr lang="en-US" sz="1300">
+                <a:solidFill>
+                  <a:srgbClr val="F92672"/>
+                </a:solidFill>
+                <a:latin typeface="Menlo"/>
+              </a:rPr>
+              <a:t>= </a:t>
+            </a:r>
+            <a:r>
+              <a:rPr lang="en-US" sz="1300">
+                <a:solidFill>
+                  <a:srgbClr val="F8F8F2"/>
+                </a:solidFill>
+                <a:latin typeface="Menlo"/>
+              </a:rPr>
+              <a:t>{</a:t>
+            </a:r>
+            <a:br>
+              <a:rPr lang="en-US" sz="1300">
+                <a:solidFill>
+                  <a:srgbClr val="F8F8F2"/>
+                </a:solidFill>
+                <a:latin typeface="Menlo"/>
+              </a:rPr>
+            </a:br>
+            <a:r>
+              <a:rPr lang="en-US" sz="1300">
+                <a:solidFill>
+                  <a:srgbClr val="F8F8F2"/>
+                </a:solidFill>
+                <a:latin typeface="Menlo"/>
+              </a:rPr>
+              <a:t>    features</a:t>
+            </a:r>
+            <a:r>
+              <a:rPr lang="en-US" sz="1300">
+                <a:solidFill>
+                  <a:srgbClr val="F92672"/>
+                </a:solidFill>
+                <a:latin typeface="Menlo"/>
+              </a:rPr>
+              <a:t>: </a:t>
+            </a:r>
+            <a:r>
+              <a:rPr lang="en-US" sz="1300">
+                <a:solidFill>
+                  <a:srgbClr val="F8F8F2"/>
+                </a:solidFill>
+                <a:latin typeface="Menlo"/>
+              </a:rPr>
+              <a:t>{</a:t>
+            </a:r>
+            <a:br>
+              <a:rPr lang="en-US" sz="1300">
+                <a:solidFill>
+                  <a:srgbClr val="F8F8F2"/>
+                </a:solidFill>
+                <a:latin typeface="Menlo"/>
+              </a:rPr>
+            </a:br>
+            <a:r>
+              <a:rPr lang="en-US" sz="1300">
+                <a:solidFill>
+                  <a:srgbClr val="F8F8F2"/>
+                </a:solidFill>
+                <a:latin typeface="Menlo"/>
+              </a:rPr>
+              <a:t>        path</a:t>
+            </a:r>
+            <a:r>
+              <a:rPr lang="en-US" sz="1300">
+                <a:solidFill>
+                  <a:srgbClr val="F92672"/>
+                </a:solidFill>
+                <a:latin typeface="Menlo"/>
+              </a:rPr>
+              <a:t>: </a:t>
+            </a:r>
+            <a:r>
+              <a:rPr lang="en-US" sz="1300">
+                <a:solidFill>
+                  <a:srgbClr val="F8F8F2"/>
+                </a:solidFill>
+                <a:latin typeface="Menlo"/>
+              </a:rPr>
+              <a:t>{</a:t>
+            </a:r>
+            <a:br>
+              <a:rPr lang="en-US" sz="1300">
+                <a:solidFill>
+                  <a:srgbClr val="F8F8F2"/>
+                </a:solidFill>
+                <a:latin typeface="Menlo"/>
+              </a:rPr>
+            </a:br>
+            <a:r>
+              <a:rPr lang="en-US" sz="1300">
+                <a:solidFill>
+                  <a:srgbClr val="F8F8F2"/>
+                </a:solidFill>
+                <a:latin typeface="Menlo"/>
+              </a:rPr>
+              <a:t>            folder</a:t>
+            </a:r>
+            <a:r>
+              <a:rPr lang="en-US" sz="1300">
+                <a:solidFill>
+                  <a:srgbClr val="F92672"/>
+                </a:solidFill>
+                <a:latin typeface="Menlo"/>
+              </a:rPr>
+              <a:t>: </a:t>
+            </a:r>
+            <a:r>
+              <a:rPr lang="en-US" sz="1300">
+                <a:solidFill>
+                  <a:srgbClr val="E6DB74"/>
+                </a:solidFill>
+                <a:latin typeface="Menlo"/>
+              </a:rPr>
+              <a:t>"/features"</a:t>
+            </a:r>
+            <a:r>
+              <a:rPr lang="en-US" sz="1300">
+                <a:solidFill>
+                  <a:srgbClr val="F8F8F2"/>
+                </a:solidFill>
+                <a:latin typeface="Menlo"/>
+              </a:rPr>
+              <a:t>,</a:t>
+            </a:r>
+            <a:br>
+              <a:rPr lang="en-US" sz="1300">
+                <a:solidFill>
+                  <a:srgbClr val="F8F8F2"/>
+                </a:solidFill>
+                <a:latin typeface="Menlo"/>
+              </a:rPr>
+            </a:br>
+            <a:r>
+              <a:rPr lang="en-US" sz="1300">
+                <a:solidFill>
+                  <a:srgbClr val="F8F8F2"/>
+                </a:solidFill>
+                <a:latin typeface="Menlo"/>
+              </a:rPr>
+              <a:t>            file</a:t>
+            </a:r>
+            <a:r>
+              <a:rPr lang="en-US" sz="1300">
+                <a:solidFill>
+                  <a:srgbClr val="F92672"/>
+                </a:solidFill>
+                <a:latin typeface="Menlo"/>
+              </a:rPr>
+              <a:t>: </a:t>
+            </a:r>
+            <a:r>
+              <a:rPr lang="en-US" sz="1300">
+                <a:solidFill>
+                  <a:srgbClr val="E6DB74"/>
+                </a:solidFill>
+                <a:latin typeface="Menlo"/>
+              </a:rPr>
+              <a:t>”feature.js"</a:t>
+            </a:r>
+            <a:br>
+              <a:rPr lang="en-US" sz="1300">
+                <a:solidFill>
+                  <a:srgbClr val="E6DB74"/>
+                </a:solidFill>
+                <a:latin typeface="Menlo"/>
+              </a:rPr>
+            </a:br>
+            <a:r>
+              <a:rPr lang="en-US" sz="1300">
+                <a:solidFill>
+                  <a:srgbClr val="E6DB74"/>
+                </a:solidFill>
+                <a:latin typeface="Menlo"/>
+              </a:rPr>
+              <a:t>        </a:t>
+            </a:r>
+            <a:r>
+              <a:rPr lang="en-US" sz="1300">
+                <a:solidFill>
+                  <a:srgbClr val="F8F8F2"/>
+                </a:solidFill>
+                <a:latin typeface="Menlo"/>
+              </a:rPr>
+              <a:t>},</a:t>
+            </a:r>
+            <a:br>
+              <a:rPr lang="en-US" sz="1300">
+                <a:solidFill>
+                  <a:srgbClr val="F8F8F2"/>
+                </a:solidFill>
+                <a:latin typeface="Menlo"/>
+              </a:rPr>
+            </a:br>
+            <a:r>
+              <a:rPr lang="en-US" sz="1300">
+                <a:solidFill>
+                  <a:srgbClr val="F8F8F2"/>
+                </a:solidFill>
+                <a:latin typeface="Menlo"/>
+              </a:rPr>
+              <a:t>        controller</a:t>
+            </a:r>
+            <a:r>
+              <a:rPr lang="en-US" sz="1300">
+                <a:solidFill>
+                  <a:srgbClr val="F92672"/>
+                </a:solidFill>
+                <a:latin typeface="Menlo"/>
+              </a:rPr>
+              <a:t>: </a:t>
+            </a:r>
+            <a:r>
+              <a:rPr lang="en-US" sz="1300">
+                <a:solidFill>
+                  <a:srgbClr val="F8F8F2"/>
+                </a:solidFill>
+                <a:latin typeface="Menlo"/>
+              </a:rPr>
+              <a:t>{</a:t>
+            </a:r>
+            <a:br>
+              <a:rPr lang="en-US" sz="1300">
+                <a:solidFill>
+                  <a:srgbClr val="F8F8F2"/>
+                </a:solidFill>
+                <a:latin typeface="Menlo"/>
+              </a:rPr>
+            </a:br>
+            <a:r>
+              <a:rPr lang="en-US" sz="1300">
+                <a:solidFill>
+                  <a:srgbClr val="F8F8F2"/>
+                </a:solidFill>
+                <a:latin typeface="Menlo"/>
+              </a:rPr>
+              <a:t>            path</a:t>
+            </a:r>
+            <a:r>
+              <a:rPr lang="en-US" sz="1300">
+                <a:solidFill>
+                  <a:srgbClr val="F92672"/>
+                </a:solidFill>
+                <a:latin typeface="Menlo"/>
+              </a:rPr>
+              <a:t>: </a:t>
+            </a:r>
+            <a:r>
+              <a:rPr lang="en-US" sz="1300">
+                <a:solidFill>
+                  <a:srgbClr val="F8F8F2"/>
+                </a:solidFill>
+                <a:latin typeface="Menlo"/>
+              </a:rPr>
+              <a:t>{</a:t>
+            </a:r>
+            <a:br>
+              <a:rPr lang="en-US" sz="1300">
+                <a:solidFill>
+                  <a:srgbClr val="F8F8F2"/>
+                </a:solidFill>
+                <a:latin typeface="Menlo"/>
+              </a:rPr>
+            </a:br>
+            <a:r>
+              <a:rPr lang="en-US" sz="1300">
+                <a:solidFill>
+                  <a:srgbClr val="F8F8F2"/>
+                </a:solidFill>
+                <a:latin typeface="Menlo"/>
+              </a:rPr>
+              <a:t>                folder</a:t>
+            </a:r>
+            <a:r>
+              <a:rPr lang="en-US" sz="1300">
+                <a:solidFill>
+                  <a:srgbClr val="F92672"/>
+                </a:solidFill>
+                <a:latin typeface="Menlo"/>
+              </a:rPr>
+              <a:t>: </a:t>
+            </a:r>
+            <a:r>
+              <a:rPr lang="en-US" sz="1300">
+                <a:solidFill>
+                  <a:srgbClr val="E6DB74"/>
+                </a:solidFill>
+                <a:latin typeface="Menlo"/>
+              </a:rPr>
+              <a:t>"controller"</a:t>
+            </a:r>
+            <a:r>
+              <a:rPr lang="en-US" sz="1300">
+                <a:solidFill>
+                  <a:srgbClr val="F8F8F2"/>
+                </a:solidFill>
+                <a:latin typeface="Menlo"/>
+              </a:rPr>
+              <a:t>,</a:t>
+            </a:r>
+            <a:br>
+              <a:rPr lang="en-US" sz="1300">
+                <a:solidFill>
+                  <a:srgbClr val="F8F8F2"/>
+                </a:solidFill>
+                <a:latin typeface="Menlo"/>
+              </a:rPr>
+            </a:br>
+            <a:r>
+              <a:rPr lang="en-US" sz="1300">
+                <a:solidFill>
+                  <a:srgbClr val="F8F8F2"/>
+                </a:solidFill>
+                <a:latin typeface="Menlo"/>
+              </a:rPr>
+              <a:t>                file</a:t>
+            </a:r>
+            <a:r>
+              <a:rPr lang="en-US" sz="1300">
+                <a:solidFill>
+                  <a:srgbClr val="F92672"/>
+                </a:solidFill>
+                <a:latin typeface="Menlo"/>
+              </a:rPr>
+              <a:t>: </a:t>
+            </a:r>
+            <a:r>
+              <a:rPr lang="en-US" sz="1300">
+                <a:solidFill>
+                  <a:srgbClr val="E6DB74"/>
+                </a:solidFill>
+                <a:latin typeface="Menlo"/>
+              </a:rPr>
+              <a:t>"*.js"</a:t>
+            </a:r>
+            <a:br>
+              <a:rPr lang="en-US" sz="1300">
+                <a:solidFill>
+                  <a:srgbClr val="E6DB74"/>
+                </a:solidFill>
+                <a:latin typeface="Menlo"/>
+              </a:rPr>
+            </a:br>
+            <a:r>
+              <a:rPr lang="en-US" sz="1300">
+                <a:solidFill>
+                  <a:srgbClr val="E6DB74"/>
+                </a:solidFill>
+                <a:latin typeface="Menlo"/>
+              </a:rPr>
+              <a:t>            </a:t>
+            </a:r>
+            <a:r>
+              <a:rPr lang="en-US" sz="1300">
+                <a:solidFill>
+                  <a:srgbClr val="F8F8F2"/>
+                </a:solidFill>
+                <a:latin typeface="Menlo"/>
+              </a:rPr>
+              <a:t>}</a:t>
+            </a:r>
+            <a:br>
+              <a:rPr lang="en-US" sz="1300">
+                <a:solidFill>
+                  <a:srgbClr val="F8F8F2"/>
+                </a:solidFill>
+                <a:latin typeface="Menlo"/>
+              </a:rPr>
+            </a:br>
+            <a:r>
+              <a:rPr lang="en-US" sz="1300">
+                <a:solidFill>
+                  <a:srgbClr val="F8F8F2"/>
+                </a:solidFill>
+                <a:latin typeface="Menlo"/>
+              </a:rPr>
+              <a:t>        },</a:t>
+            </a:r>
+            <a:br>
+              <a:rPr lang="en-US" sz="1300">
+                <a:solidFill>
+                  <a:srgbClr val="F8F8F2"/>
+                </a:solidFill>
+                <a:latin typeface="Menlo"/>
+              </a:rPr>
+            </a:br>
+            <a:r>
+              <a:rPr lang="en-US" sz="1300">
+                <a:solidFill>
+                  <a:srgbClr val="F8F8F2"/>
+                </a:solidFill>
+                <a:latin typeface="Menlo"/>
+              </a:rPr>
+              <a:t>        view </a:t>
+            </a:r>
+            <a:r>
+              <a:rPr lang="en-US" sz="1300">
+                <a:solidFill>
+                  <a:srgbClr val="F92672"/>
+                </a:solidFill>
+                <a:latin typeface="Menlo"/>
+              </a:rPr>
+              <a:t>: </a:t>
+            </a:r>
+            <a:r>
+              <a:rPr lang="en-US" sz="1300">
+                <a:solidFill>
+                  <a:srgbClr val="F8F8F2"/>
+                </a:solidFill>
+                <a:latin typeface="Menlo"/>
+              </a:rPr>
+              <a:t>{</a:t>
+            </a:r>
+            <a:br>
+              <a:rPr lang="en-US" sz="1300">
+                <a:solidFill>
+                  <a:srgbClr val="F8F8F2"/>
+                </a:solidFill>
+                <a:latin typeface="Menlo"/>
+              </a:rPr>
+            </a:br>
+            <a:r>
+              <a:rPr lang="en-US" sz="1300">
+                <a:solidFill>
+                  <a:srgbClr val="F8F8F2"/>
+                </a:solidFill>
+                <a:latin typeface="Menlo"/>
+              </a:rPr>
+              <a:t>            path </a:t>
+            </a:r>
+            <a:r>
+              <a:rPr lang="en-US" sz="1300">
+                <a:solidFill>
+                  <a:srgbClr val="F92672"/>
+                </a:solidFill>
+                <a:latin typeface="Menlo"/>
+              </a:rPr>
+              <a:t>:</a:t>
+            </a:r>
+            <a:r>
+              <a:rPr lang="en-US" sz="1300">
+                <a:solidFill>
+                  <a:srgbClr val="F8F8F2"/>
+                </a:solidFill>
+                <a:latin typeface="Menlo"/>
+              </a:rPr>
+              <a:t>{</a:t>
+            </a:r>
+            <a:br>
+              <a:rPr lang="en-US" sz="1300">
+                <a:solidFill>
+                  <a:srgbClr val="F8F8F2"/>
+                </a:solidFill>
+                <a:latin typeface="Menlo"/>
+              </a:rPr>
+            </a:br>
+            <a:r>
+              <a:rPr lang="en-US" sz="1300">
+                <a:solidFill>
+                  <a:srgbClr val="F8F8F2"/>
+                </a:solidFill>
+                <a:latin typeface="Menlo"/>
+              </a:rPr>
+              <a:t>                folder </a:t>
+            </a:r>
+            <a:r>
+              <a:rPr lang="en-US" sz="1300">
+                <a:solidFill>
+                  <a:srgbClr val="F92672"/>
+                </a:solidFill>
+                <a:latin typeface="Menlo"/>
+              </a:rPr>
+              <a:t>: </a:t>
+            </a:r>
+            <a:r>
+              <a:rPr lang="en-US" sz="1300">
+                <a:solidFill>
+                  <a:srgbClr val="E6DB74"/>
+                </a:solidFill>
+                <a:latin typeface="Menlo"/>
+              </a:rPr>
+              <a:t>"/public/themes/:theme/"</a:t>
+            </a:r>
+            <a:br>
+              <a:rPr lang="en-US" sz="1300">
+                <a:solidFill>
+                  <a:srgbClr val="E6DB74"/>
+                </a:solidFill>
+                <a:latin typeface="Menlo"/>
+              </a:rPr>
+            </a:br>
+            <a:r>
+              <a:rPr lang="en-US" sz="1300">
+                <a:solidFill>
+                  <a:srgbClr val="E6DB74"/>
+                </a:solidFill>
+                <a:latin typeface="Menlo"/>
+              </a:rPr>
+              <a:t>            </a:t>
+            </a:r>
+            <a:r>
+              <a:rPr lang="en-US" sz="1300">
+                <a:solidFill>
+                  <a:srgbClr val="F8F8F2"/>
+                </a:solidFill>
+                <a:latin typeface="Menlo"/>
+              </a:rPr>
+              <a:t>}</a:t>
+            </a:r>
+            <a:br>
+              <a:rPr lang="en-US" sz="1300">
+                <a:solidFill>
+                  <a:srgbClr val="F8F8F2"/>
+                </a:solidFill>
+                <a:latin typeface="Menlo"/>
+              </a:rPr>
+            </a:br>
+            <a:r>
+              <a:rPr lang="en-US" sz="1300">
+                <a:solidFill>
+                  <a:srgbClr val="F8F8F2"/>
+                </a:solidFill>
+                <a:latin typeface="Menlo"/>
+              </a:rPr>
+              <a:t>        },</a:t>
+            </a:r>
+            <a:br>
+              <a:rPr lang="en-US" sz="1300">
+                <a:solidFill>
+                  <a:srgbClr val="F8F8F2"/>
+                </a:solidFill>
+                <a:latin typeface="Menlo"/>
+              </a:rPr>
+            </a:br>
+            <a:r>
+              <a:rPr lang="en-US" sz="1300">
+                <a:solidFill>
+                  <a:srgbClr val="F8F8F2"/>
+                </a:solidFill>
+                <a:latin typeface="Menlo"/>
+              </a:rPr>
+              <a:t>        route</a:t>
+            </a:r>
+            <a:r>
+              <a:rPr lang="en-US" sz="1300">
+                <a:solidFill>
+                  <a:srgbClr val="F92672"/>
+                </a:solidFill>
+                <a:latin typeface="Menlo"/>
+              </a:rPr>
+              <a:t>: </a:t>
+            </a:r>
+            <a:r>
+              <a:rPr lang="en-US" sz="1300">
+                <a:solidFill>
+                  <a:srgbClr val="F8F8F2"/>
+                </a:solidFill>
+                <a:latin typeface="Menlo"/>
+              </a:rPr>
+              <a:t>{</a:t>
+            </a:r>
+            <a:br>
+              <a:rPr lang="en-US" sz="1300">
+                <a:solidFill>
+                  <a:srgbClr val="F8F8F2"/>
+                </a:solidFill>
+                <a:latin typeface="Menlo"/>
+              </a:rPr>
+            </a:br>
+            <a:r>
+              <a:rPr lang="en-US" sz="1300">
+                <a:solidFill>
+                  <a:srgbClr val="F8F8F2"/>
+                </a:solidFill>
+                <a:latin typeface="Menlo"/>
+              </a:rPr>
+              <a:t>            path</a:t>
+            </a:r>
+            <a:r>
+              <a:rPr lang="en-US" sz="1300">
+                <a:solidFill>
+                  <a:srgbClr val="F92672"/>
+                </a:solidFill>
+                <a:latin typeface="Menlo"/>
+              </a:rPr>
+              <a:t>: </a:t>
+            </a:r>
+            <a:r>
+              <a:rPr lang="en-US" sz="1300">
+                <a:solidFill>
+                  <a:srgbClr val="F8F8F2"/>
+                </a:solidFill>
+                <a:latin typeface="Menlo"/>
+              </a:rPr>
+              <a:t>{</a:t>
+            </a:r>
+            <a:br>
+              <a:rPr lang="en-US" sz="1300">
+                <a:solidFill>
+                  <a:srgbClr val="F8F8F2"/>
+                </a:solidFill>
+                <a:latin typeface="Menlo"/>
+              </a:rPr>
+            </a:br>
+            <a:r>
+              <a:rPr lang="en-US" sz="1300">
+                <a:solidFill>
+                  <a:srgbClr val="F8F8F2"/>
+                </a:solidFill>
+                <a:latin typeface="Menlo"/>
+              </a:rPr>
+              <a:t>                file</a:t>
+            </a:r>
+            <a:r>
+              <a:rPr lang="en-US" sz="1300">
+                <a:solidFill>
+                  <a:srgbClr val="F92672"/>
+                </a:solidFill>
+                <a:latin typeface="Menlo"/>
+              </a:rPr>
+              <a:t>: </a:t>
+            </a:r>
+            <a:r>
+              <a:rPr lang="en-US" sz="1300">
+                <a:solidFill>
+                  <a:srgbClr val="E6DB74"/>
+                </a:solidFill>
+                <a:latin typeface="Menlo"/>
+              </a:rPr>
+              <a:t>"route.js"</a:t>
+            </a:r>
+            <a:br>
+              <a:rPr lang="en-US" sz="1300">
+                <a:solidFill>
+                  <a:srgbClr val="E6DB74"/>
+                </a:solidFill>
+                <a:latin typeface="Menlo"/>
+              </a:rPr>
+            </a:br>
+            <a:r>
+              <a:rPr lang="en-US" sz="1300">
+                <a:solidFill>
+                  <a:srgbClr val="E6DB74"/>
+                </a:solidFill>
+                <a:latin typeface="Menlo"/>
+              </a:rPr>
+              <a:t>            </a:t>
+            </a:r>
+            <a:r>
+              <a:rPr lang="en-US" sz="1300">
+                <a:solidFill>
+                  <a:srgbClr val="F8F8F2"/>
+                </a:solidFill>
+                <a:latin typeface="Menlo"/>
+              </a:rPr>
+              <a:t>}</a:t>
+            </a:r>
+            <a:br>
+              <a:rPr lang="en-US" sz="1300">
+                <a:solidFill>
+                  <a:srgbClr val="F8F8F2"/>
+                </a:solidFill>
+                <a:latin typeface="Menlo"/>
+              </a:rPr>
+            </a:br>
+            <a:r>
+              <a:rPr lang="en-US" sz="1300">
+                <a:solidFill>
+                  <a:srgbClr val="F8F8F2"/>
+                </a:solidFill>
+                <a:latin typeface="Menlo"/>
+              </a:rPr>
+              <a:t>        }</a:t>
+            </a:r>
+            <a:br>
+              <a:rPr lang="en-US" sz="1300">
+                <a:solidFill>
+                  <a:srgbClr val="F8F8F2"/>
+                </a:solidFill>
+                <a:latin typeface="Menlo"/>
+              </a:rPr>
+            </a:br>
+            <a:r>
+              <a:rPr lang="en-US" sz="1300">
+                <a:solidFill>
+                  <a:srgbClr val="F8F8F2"/>
+                </a:solidFill>
+                <a:latin typeface="Menlo"/>
+              </a:rPr>
+              <a:t>    }</a:t>
+            </a:r>
+            <a:br>
+              <a:rPr lang="en-US" sz="1300">
+                <a:solidFill>
+                  <a:srgbClr val="F8F8F2"/>
+                </a:solidFill>
+                <a:latin typeface="Menlo"/>
+              </a:rPr>
+            </a:br>
+            <a:r>
+              <a:rPr lang="en-US" sz="1300">
+                <a:solidFill>
+                  <a:srgbClr val="F8F8F2"/>
+                </a:solidFill>
+                <a:latin typeface="Menlo"/>
+              </a:rPr>
+              <a:t>};</a:t>
+            </a:r>
+          </a:p>
+          <a:p>
+            <a:endParaRPr lang="en-US" sz="1300"/>
           </a:p>
         </p:txBody>
       </p:sp>
     </p:spTree>
     <p:extLst>
       <p:ext uri="{BB962C8B-B14F-4D97-AF65-F5344CB8AC3E}">
-        <p14:creationId xmlns:p14="http://schemas.microsoft.com/office/powerpoint/2010/main" val="2580865449"/>
+        <p14:creationId xmlns:p14="http://schemas.microsoft.com/office/powerpoint/2010/main" val="3407292021"/>
       </p:ext>
     </p:extLst>
   </p:cSld>
@@ -5772,7 +6447,7 @@
           <a:p>
             <a:r>
               <a:rPr lang="en-US" dirty="0" smtClean="0"/>
-              <a:t>Object Manager</a:t>
+              <a:t>Level 1</a:t>
             </a:r>
             <a:endParaRPr lang="en-US" dirty="0"/>
           </a:p>
@@ -5795,7 +6470,13 @@
           <a:p>
             <a:r>
               <a:rPr lang="en-US" dirty="0" smtClean="0"/>
-              <a:t>Object manager load all component at boot time</a:t>
+              <a:t>Object represent an Object manager</a:t>
+            </a:r>
+          </a:p>
+          <a:p>
+            <a:r>
+              <a:rPr lang="en-US" dirty="0" smtClean="0"/>
+              <a:t>Object manager manage all component of Object </a:t>
             </a:r>
           </a:p>
           <a:p>
@@ -5804,79 +6485,23 @@
             </a:pPr>
             <a:r>
               <a:rPr lang="en-US" dirty="0" smtClean="0"/>
-              <a:t>With </a:t>
+              <a:t>Ex : modules object  have many module : user, blog, role v.v. In system it have a </a:t>
             </a:r>
             <a:r>
               <a:rPr lang="en-US" dirty="0" err="1" smtClean="0"/>
-              <a:t>loadComponents</a:t>
+              <a:t>modulesManager</a:t>
             </a:r>
             <a:r>
               <a:rPr lang="en-US" dirty="0" smtClean="0"/>
-              <a:t>()</a:t>
-            </a:r>
-          </a:p>
-          <a:p>
-            <a:r>
-              <a:rPr lang="en-US" dirty="0" smtClean="0"/>
-              <a:t>This have </a:t>
-            </a:r>
-            <a:r>
-              <a:rPr lang="en-US" dirty="0" err="1" smtClean="0"/>
-              <a:t>setCache</a:t>
-            </a:r>
-            <a:r>
-              <a:rPr lang="en-US" dirty="0" smtClean="0"/>
-              <a:t>() and </a:t>
-            </a:r>
-            <a:r>
-              <a:rPr lang="en-US" dirty="0" err="1" smtClean="0"/>
-              <a:t>getCache</a:t>
-            </a:r>
-            <a:r>
-              <a:rPr lang="en-US" dirty="0" smtClean="0"/>
-              <a:t>() to save setting to </a:t>
-            </a:r>
-            <a:r>
-              <a:rPr lang="en-US" dirty="0" err="1" smtClean="0"/>
-              <a:t>Redis</a:t>
-            </a:r>
-            <a:endParaRPr lang="en-US" dirty="0" smtClean="0"/>
-          </a:p>
-          <a:p>
-            <a:r>
-              <a:rPr lang="en-US" dirty="0" smtClean="0"/>
-              <a:t>This have reload() function to sync all cluster</a:t>
-            </a:r>
-          </a:p>
-          <a:p>
-            <a:r>
-              <a:rPr lang="en-US" dirty="0" smtClean="0"/>
-              <a:t>This </a:t>
-            </a:r>
-            <a:r>
-              <a:rPr lang="en-US" dirty="0" err="1" smtClean="0"/>
-              <a:t>inherite</a:t>
-            </a:r>
-            <a:r>
-              <a:rPr lang="en-US" dirty="0" smtClean="0"/>
-              <a:t> </a:t>
-            </a:r>
-            <a:r>
-              <a:rPr lang="en-US" dirty="0" err="1" smtClean="0"/>
-              <a:t>EventEmitter</a:t>
-            </a:r>
-            <a:r>
-              <a:rPr lang="en-US" dirty="0" smtClean="0"/>
-              <a:t> for talk to other.</a:t>
-            </a:r>
-            <a:endParaRPr lang="en-US" dirty="0"/>
+              <a:t> manage all module</a:t>
+            </a:r>
           </a:p>
         </p:txBody>
       </p:sp>
     </p:spTree>
     <p:extLst>
       <p:ext uri="{BB962C8B-B14F-4D97-AF65-F5344CB8AC3E}">
-        <p14:creationId xmlns:p14="http://schemas.microsoft.com/office/powerpoint/2010/main" val="3844631702"/>
+        <p14:creationId xmlns:p14="http://schemas.microsoft.com/office/powerpoint/2010/main" val="2580865449"/>
       </p:ext>
     </p:extLst>
   </p:cSld>
@@ -5922,7 +6547,7 @@
           <a:p>
             <a:r>
               <a:rPr lang="en-US" dirty="0" smtClean="0"/>
-              <a:t>Declare Object	</a:t>
+              <a:t>Object Manager</a:t>
             </a:r>
             <a:endParaRPr lang="en-US" dirty="0"/>
           </a:p>
@@ -5945,71 +6570,88 @@
           <a:p>
             <a:r>
               <a:rPr lang="en-US" dirty="0" smtClean="0"/>
-              <a:t>Object declare by path for get </a:t>
+              <a:t>Object manager load all component at boot time</a:t>
+            </a:r>
+          </a:p>
+          <a:p>
+            <a:pPr marL="0" indent="0">
+              <a:buNone/>
+            </a:pPr>
+            <a:r>
+              <a:rPr lang="en-US" dirty="0" smtClean="0"/>
+              <a:t>With </a:t>
             </a:r>
             <a:r>
               <a:rPr lang="en-US" dirty="0" err="1" smtClean="0"/>
-              <a:t>config</a:t>
+              <a:t>loadComponents</a:t>
+            </a:r>
+            <a:r>
+              <a:rPr lang="en-US" dirty="0" smtClean="0"/>
+              <a:t>()</a:t>
+            </a:r>
+          </a:p>
+          <a:p>
+            <a:r>
+              <a:rPr lang="en-US" dirty="0" smtClean="0"/>
+              <a:t>This have </a:t>
+            </a:r>
+            <a:r>
+              <a:rPr lang="en-US" dirty="0" err="1" smtClean="0"/>
+              <a:t>setCache</a:t>
+            </a:r>
+            <a:r>
+              <a:rPr lang="en-US" dirty="0" smtClean="0"/>
+              <a:t>() and </a:t>
+            </a:r>
+            <a:r>
+              <a:rPr lang="en-US" dirty="0" err="1" smtClean="0"/>
+              <a:t>getCache</a:t>
+            </a:r>
+            <a:r>
+              <a:rPr lang="en-US" dirty="0" smtClean="0"/>
+              <a:t>() to save setting to </a:t>
+            </a:r>
+            <a:r>
+              <a:rPr lang="en-US" dirty="0" err="1" smtClean="0"/>
+              <a:t>Redis</a:t>
+            </a:r>
+            <a:endParaRPr lang="en-US" dirty="0" smtClean="0"/>
+          </a:p>
+          <a:p>
+            <a:r>
+              <a:rPr lang="en-US" dirty="0" smtClean="0"/>
+              <a:t>This have reload() function to sync all cluster</a:t>
+            </a:r>
+          </a:p>
+          <a:p>
+            <a:r>
+              <a:rPr lang="en-US" dirty="0" smtClean="0"/>
+              <a:t>This </a:t>
+            </a:r>
+            <a:r>
+              <a:rPr lang="en-US" dirty="0" err="1" smtClean="0"/>
+              <a:t>inherite</a:t>
+            </a:r>
+            <a:r>
+              <a:rPr lang="en-US" dirty="0" smtClean="0"/>
+              <a:t> </a:t>
+            </a:r>
+            <a:r>
+              <a:rPr lang="en-US" dirty="0" err="1" smtClean="0"/>
+              <a:t>EventEmitter</a:t>
+            </a:r>
+            <a:r>
+              <a:rPr lang="en-US" dirty="0" smtClean="0"/>
+              <a:t> for talk to other.</a:t>
             </a:r>
             <a:endParaRPr lang="en-US" dirty="0"/>
-          </a:p>
-          <a:p>
-            <a:r>
-              <a:rPr lang="en-US" dirty="0" smtClean="0"/>
-              <a:t>Object must have path attribute:</a:t>
-            </a:r>
-            <a:endParaRPr lang="en-US" dirty="0"/>
-          </a:p>
-          <a:p>
-            <a:pPr lvl="1"/>
-            <a:r>
-              <a:rPr lang="en-US" dirty="0" smtClean="0"/>
-              <a:t>Path have 3 attribute here :</a:t>
-            </a:r>
-          </a:p>
-          <a:p>
-            <a:pPr lvl="2"/>
-            <a:r>
-              <a:rPr lang="en-US" dirty="0" smtClean="0"/>
-              <a:t>Folder : folder to get component (string, array of string)</a:t>
-            </a:r>
-          </a:p>
-          <a:p>
-            <a:pPr lvl="2"/>
-            <a:r>
-              <a:rPr lang="en-US" dirty="0" smtClean="0"/>
-              <a:t>File : </a:t>
-            </a:r>
-            <a:r>
-              <a:rPr lang="en-US" dirty="0" err="1" smtClean="0"/>
-              <a:t>config</a:t>
-            </a:r>
-            <a:r>
-              <a:rPr lang="en-US" dirty="0" smtClean="0"/>
-              <a:t> of component ( unique file name or *.</a:t>
-            </a:r>
-            <a:r>
-              <a:rPr lang="en-US" dirty="0" err="1" smtClean="0"/>
-              <a:t>js</a:t>
-            </a:r>
-            <a:r>
-              <a:rPr lang="en-US" dirty="0" smtClean="0"/>
-              <a:t>)</a:t>
-            </a:r>
-          </a:p>
-          <a:p>
-            <a:pPr lvl="2"/>
-            <a:r>
-              <a:rPr lang="en-US" dirty="0" smtClean="0"/>
-              <a:t>Singleton : if true object have only one component else have many components</a:t>
-            </a:r>
           </a:p>
         </p:txBody>
       </p:sp>
     </p:spTree>
     <p:extLst>
       <p:ext uri="{BB962C8B-B14F-4D97-AF65-F5344CB8AC3E}">
-        <p14:creationId xmlns:p14="http://schemas.microsoft.com/office/powerpoint/2010/main" val="3742690930"/>
+        <p14:creationId xmlns:p14="http://schemas.microsoft.com/office/powerpoint/2010/main" val="3844631702"/>
       </p:ext>
     </p:extLst>
   </p:cSld>
@@ -6055,6 +6697,139 @@
           <a:p>
             <a:r>
               <a:rPr lang="en-US" dirty="0" smtClean="0"/>
+              <a:t>Declare Object	</a:t>
+            </a:r>
+            <a:endParaRPr lang="en-US" dirty="0"/>
+          </a:p>
+        </p:txBody>
+      </p:sp>
+      <p:sp>
+        <p:nvSpPr>
+          <p:cNvPr id="3" name="Content Placeholder 2"/>
+          <p:cNvSpPr>
+            <a:spLocks noGrp="1"/>
+          </p:cNvSpPr>
+          <p:nvPr>
+            <p:ph idx="1"/>
+          </p:nvPr>
+        </p:nvSpPr>
+        <p:spPr/>
+        <p:txBody>
+          <a:bodyPr/>
+          <a:lstStyle/>
+          <a:p>
+            <a:r>
+              <a:rPr lang="en-US" dirty="0" smtClean="0"/>
+              <a:t>Object declare by path for get </a:t>
+            </a:r>
+            <a:r>
+              <a:rPr lang="en-US" dirty="0" err="1" smtClean="0"/>
+              <a:t>config</a:t>
+            </a:r>
+            <a:endParaRPr lang="en-US" dirty="0"/>
+          </a:p>
+          <a:p>
+            <a:r>
+              <a:rPr lang="en-US" dirty="0" smtClean="0"/>
+              <a:t>Object must have path attribute:</a:t>
+            </a:r>
+            <a:endParaRPr lang="en-US" dirty="0"/>
+          </a:p>
+          <a:p>
+            <a:pPr lvl="1"/>
+            <a:r>
+              <a:rPr lang="en-US" dirty="0" smtClean="0"/>
+              <a:t>Path have 3 attribute here :</a:t>
+            </a:r>
+          </a:p>
+          <a:p>
+            <a:pPr lvl="2"/>
+            <a:r>
+              <a:rPr lang="en-US" dirty="0" smtClean="0"/>
+              <a:t>Folder : folder to get component (string, array of string)</a:t>
+            </a:r>
+          </a:p>
+          <a:p>
+            <a:pPr lvl="2"/>
+            <a:r>
+              <a:rPr lang="en-US" dirty="0" smtClean="0"/>
+              <a:t>File : </a:t>
+            </a:r>
+            <a:r>
+              <a:rPr lang="en-US" dirty="0" err="1" smtClean="0"/>
+              <a:t>config</a:t>
+            </a:r>
+            <a:r>
+              <a:rPr lang="en-US" dirty="0" smtClean="0"/>
+              <a:t> of component ( unique file name or *.</a:t>
+            </a:r>
+            <a:r>
+              <a:rPr lang="en-US" dirty="0" err="1" smtClean="0"/>
+              <a:t>js</a:t>
+            </a:r>
+            <a:r>
+              <a:rPr lang="en-US" dirty="0" smtClean="0"/>
+              <a:t>)</a:t>
+            </a:r>
+          </a:p>
+          <a:p>
+            <a:pPr lvl="2"/>
+            <a:r>
+              <a:rPr lang="en-US" dirty="0" smtClean="0"/>
+              <a:t>Singleton : if true object have only one component else have many components</a:t>
+            </a:r>
+          </a:p>
+        </p:txBody>
+      </p:sp>
+    </p:spTree>
+    <p:extLst>
+      <p:ext uri="{BB962C8B-B14F-4D97-AF65-F5344CB8AC3E}">
+        <p14:creationId xmlns:p14="http://schemas.microsoft.com/office/powerpoint/2010/main" val="3742690930"/>
+      </p:ext>
+    </p:extLst>
+  </p:cSld>
+  <p:clrMapOvr>
+    <a:masterClrMapping/>
+  </p:clrMapOvr>
+</p:sld>
+</file>
+
+<file path=ppt/slides/slide7.xml><?xml version="1.0" encoding="utf-8"?>
+<p:sld xmlns:a="http://schemas.openxmlformats.org/drawingml/2006/main" xmlns:r="http://schemas.openxmlformats.org/officeDocument/2006/relationships" xmlns:p="http://schemas.openxmlformats.org/presentationml/2006/main">
+  <p:cSld>
+    <p:spTree>
+      <p:nvGrpSpPr>
+        <p:cNvPr id="1" name=""/>
+        <p:cNvGrpSpPr/>
+        <p:nvPr/>
+      </p:nvGrpSpPr>
+      <p:grpSpPr>
+        <a:xfrm>
+          <a:off x="0" y="0"/>
+          <a:ext cx="0" cy="0"/>
+          <a:chOff x="0" y="0"/>
+          <a:chExt cx="0" cy="0"/>
+        </a:xfrm>
+      </p:grpSpPr>
+      <p:sp>
+        <p:nvSpPr>
+          <p:cNvPr id="2" name="Title 1"/>
+          <p:cNvSpPr>
+            <a:spLocks noGrp="1"/>
+          </p:cNvSpPr>
+          <p:nvPr>
+            <p:ph type="title"/>
+          </p:nvPr>
+        </p:nvSpPr>
+        <p:spPr/>
+        <p:txBody>
+          <a:bodyPr>
+            <a:normAutofit fontScale="90000"/>
+          </a:bodyPr>
+          <a:lstStyle/>
+          <a:p>
+            <a:r>
+              <a:rPr lang="en-US" dirty="0" smtClean="0"/>
               <a:t>Level 2</a:t>
             </a:r>
             <a:endParaRPr lang="en-US" dirty="0"/>
@@ -6141,7 +6916,7 @@
 </p:sld>
 </file>
 
-<file path=ppt/slides/slide7.xml><?xml version="1.0" encoding="utf-8"?>
+<file path=ppt/slides/slide8.xml><?xml version="1.0" encoding="utf-8"?>
 <p:sld xmlns:a="http://schemas.openxmlformats.org/drawingml/2006/main" xmlns:r="http://schemas.openxmlformats.org/officeDocument/2006/relationships" xmlns:p="http://schemas.openxmlformats.org/presentationml/2006/main">
   <p:cSld>
     <p:spTree>
